--- a/docs/Project_Presentation_HKR.pptx
+++ b/docs/Project_Presentation_HKR.pptx
@@ -9,8 +9,11 @@
     <p:sldId id="257" r:id="rId3"/>
     <p:sldId id="261" r:id="rId4"/>
     <p:sldId id="260" r:id="rId5"/>
-    <p:sldId id="258" r:id="rId6"/>
-    <p:sldId id="259" r:id="rId7"/>
+    <p:sldId id="263" r:id="rId6"/>
+    <p:sldId id="262" r:id="rId7"/>
+    <p:sldId id="265" r:id="rId8"/>
+    <p:sldId id="259" r:id="rId9"/>
+    <p:sldId id="264" r:id="rId10"/>
   </p:sldIdLst>
   <p:sldSz cx="12192000" cy="6858000"/>
   <p:notesSz cx="6858000" cy="9144000"/>
@@ -3345,13 +3348,13 @@
         <p:spPr/>
         <p:txBody>
           <a:bodyPr>
-            <a:normAutofit fontScale="90000"/>
+            <a:normAutofit/>
           </a:bodyPr>
           <a:lstStyle/>
           <a:p>
             <a:r>
               <a:rPr lang="en-US" dirty="0"/>
-              <a:t>Simple Computer Vision Project: Classifying Mushroom Species</a:t>
+              <a:t>Computer Vision Project: Classifying Mushrooms</a:t>
             </a:r>
           </a:p>
         </p:txBody>
@@ -3471,25 +3474,31 @@
           <a:p>
             <a:r>
               <a:rPr lang="en-US" dirty="0"/>
-              <a:t>Identify a specific image recognition problem.</a:t>
+              <a:t>Identify a specific image recognition problem</a:t>
             </a:r>
           </a:p>
           <a:p>
             <a:r>
               <a:rPr lang="en-US" dirty="0"/>
-              <a:t>Collect a dataset of more than 3 classes with at least 200 labeled images.</a:t>
+              <a:t>Collect a dataset of more than 3 classes with at least 200 labeled images</a:t>
             </a:r>
           </a:p>
           <a:p>
             <a:r>
               <a:rPr lang="en-US" dirty="0"/>
-              <a:t>Train a model using transfer learning on a pre-trained base.</a:t>
+              <a:t>Train a model using transfer learning on a pre-trained base</a:t>
             </a:r>
           </a:p>
           <a:p>
             <a:r>
               <a:rPr lang="en-US" dirty="0"/>
-              <a:t>Monitor performance.</a:t>
+              <a:t>Monitor performance</a:t>
+            </a:r>
+          </a:p>
+          <a:p>
+            <a:r>
+              <a:rPr lang="en-US" dirty="0"/>
+              <a:t>Test accuracy</a:t>
             </a:r>
           </a:p>
           <a:p>
@@ -3550,7 +3559,7 @@
           <a:p>
             <a:r>
               <a:rPr lang="en-US" dirty="0"/>
-              <a:t>Identifying Mushroom Species</a:t>
+              <a:t>Classifying Different Mushroom Species</a:t>
             </a:r>
           </a:p>
         </p:txBody>
@@ -3926,7 +3935,7 @@
           <a:p>
             <a:r>
               <a:rPr lang="en-US" dirty="0"/>
-              <a:t>I generated a </a:t>
+              <a:t>Generated a </a:t>
             </a:r>
             <a:r>
               <a:rPr lang="en-US" dirty="0" err="1"/>
@@ -3949,7 +3958,13 @@
           <a:p>
             <a:r>
               <a:rPr lang="en-US" dirty="0"/>
-              <a:t>Simple Python script using `requests` module with key</a:t>
+              <a:t>Simple Python script using `requests` module and key</a:t>
+            </a:r>
+          </a:p>
+          <a:p>
+            <a:r>
+              <a:rPr lang="en-US" dirty="0"/>
+              <a:t>Downloaded 400 images (100 for each class)</a:t>
             </a:r>
           </a:p>
         </p:txBody>
@@ -4006,7 +4021,7 @@
         </p:blipFill>
         <p:spPr>
           <a:xfrm>
-            <a:off x="849693" y="4594852"/>
+            <a:off x="838200" y="4986337"/>
             <a:ext cx="10492613" cy="1325563"/>
           </a:xfrm>
           <a:prstGeom prst="rect">
@@ -4032,7 +4047,13 @@
   <p:cSld>
     <p:spTree>
       <p:nvGrpSpPr>
-        <p:cNvPr id="1" name=""/>
+        <p:cNvPr id="1" name="">
+          <a:extLst>
+            <a:ext uri="{FF2B5EF4-FFF2-40B4-BE49-F238E27FC236}">
+              <a16:creationId xmlns:a16="http://schemas.microsoft.com/office/drawing/2014/main" id="{5B755DF1-9576-0C01-1828-6BFEFC032B30}"/>
+            </a:ext>
+          </a:extLst>
+        </p:cNvPr>
         <p:cNvGrpSpPr/>
         <p:nvPr/>
       </p:nvGrpSpPr>
@@ -4049,7 +4070,7 @@
           <p:cNvPr id="2" name="Title 1">
             <a:extLst>
               <a:ext uri="{FF2B5EF4-FFF2-40B4-BE49-F238E27FC236}">
-                <a16:creationId xmlns:a16="http://schemas.microsoft.com/office/drawing/2014/main" id="{9E225F8A-F4A6-AE7B-C5F8-E87E08261A1F}"/>
+                <a16:creationId xmlns:a16="http://schemas.microsoft.com/office/drawing/2014/main" id="{66330272-0145-3769-34CD-B920EB756D4E}"/>
               </a:ext>
             </a:extLst>
           </p:cNvPr>
@@ -4066,32 +4087,66 @@
           <a:lstStyle/>
           <a:p>
             <a:r>
-              <a:rPr lang="en-US" dirty="0"/>
-              <a:t>Structuring </a:t>
-            </a:r>
-            <a:r>
-              <a:rPr lang="en-US"/>
-              <a:t>My Dataset</a:t>
+              <a:rPr lang="en-US"/>
+              <a:t>Structuring My Dataset</a:t>
             </a:r>
             <a:endParaRPr lang="en-US" dirty="0"/>
+          </a:p>
+        </p:txBody>
+      </p:sp>
+      <p:sp>
+        <p:nvSpPr>
+          <p:cNvPr id="9" name="TextBox 8">
+            <a:extLst>
+              <a:ext uri="{FF2B5EF4-FFF2-40B4-BE49-F238E27FC236}">
+                <a16:creationId xmlns:a16="http://schemas.microsoft.com/office/drawing/2014/main" id="{8D7F6633-3CFF-9A15-E268-06EB1EA853A3}"/>
+              </a:ext>
+            </a:extLst>
+          </p:cNvPr>
+          <p:cNvSpPr txBox="1"/>
+          <p:nvPr/>
+        </p:nvSpPr>
+        <p:spPr>
+          <a:xfrm>
+            <a:off x="693442" y="1507958"/>
+            <a:ext cx="11065421" cy="954107"/>
+          </a:xfrm>
+          <a:prstGeom prst="rect">
+            <a:avLst/>
+          </a:prstGeom>
+          <a:noFill/>
+        </p:spPr>
+        <p:txBody>
+          <a:bodyPr wrap="square" rtlCol="0">
+            <a:spAutoFit/>
+          </a:bodyPr>
+          <a:lstStyle/>
+          <a:p>
+            <a:pPr marL="285750" indent="-285750">
+              <a:buFont typeface="Arial" panose="020B0604020202020204" pitchFamily="34" charset="0"/>
+              <a:buChar char="•"/>
+            </a:pPr>
+            <a:r>
+              <a:rPr lang="en-US" sz="2800"/>
+              <a:t>Organized my images into training, validation, and testing folders (70-20-10 split)</a:t>
+            </a:r>
+            <a:endParaRPr lang="en-US" sz="2800" dirty="0"/>
           </a:p>
         </p:txBody>
       </p:sp>
       <p:pic>
         <p:nvPicPr>
-          <p:cNvPr id="5" name="Content Placeholder 4">
-            <a:extLst>
-              <a:ext uri="{FF2B5EF4-FFF2-40B4-BE49-F238E27FC236}">
-                <a16:creationId xmlns:a16="http://schemas.microsoft.com/office/drawing/2014/main" id="{625FB2A6-7497-26D8-1FCC-6D2E83CEED0C}"/>
+          <p:cNvPr id="10" name="Picture 9">
+            <a:extLst>
+              <a:ext uri="{FF2B5EF4-FFF2-40B4-BE49-F238E27FC236}">
+                <a16:creationId xmlns:a16="http://schemas.microsoft.com/office/drawing/2014/main" id="{753771A4-EF71-585C-2391-1550C90E4598}"/>
               </a:ext>
             </a:extLst>
           </p:cNvPr>
           <p:cNvPicPr>
-            <a:picLocks noGrp="1" noChangeAspect="1"/>
+            <a:picLocks noChangeAspect="1"/>
           </p:cNvPicPr>
-          <p:nvPr>
-            <p:ph idx="1"/>
-          </p:nvPr>
+          <p:nvPr/>
         </p:nvPicPr>
         <p:blipFill>
           <a:blip r:embed="rId2"/>
@@ -4101,17 +4156,20 @@
         </p:blipFill>
         <p:spPr>
           <a:xfrm>
-            <a:off x="693442" y="2598511"/>
-            <a:ext cx="3341599" cy="2518921"/>
+            <a:off x="1039546" y="2968631"/>
+            <a:ext cx="2233044" cy="2854610"/>
           </a:xfrm>
+          <a:prstGeom prst="rect">
+            <a:avLst/>
+          </a:prstGeom>
         </p:spPr>
       </p:pic>
       <p:pic>
         <p:nvPicPr>
-          <p:cNvPr id="6" name="Content Placeholder 4">
-            <a:extLst>
-              <a:ext uri="{FF2B5EF4-FFF2-40B4-BE49-F238E27FC236}">
-                <a16:creationId xmlns:a16="http://schemas.microsoft.com/office/drawing/2014/main" id="{3A8506C7-0F2D-5099-2806-980CF92ACEEF}"/>
+          <p:cNvPr id="12" name="Picture 11">
+            <a:extLst>
+              <a:ext uri="{FF2B5EF4-FFF2-40B4-BE49-F238E27FC236}">
+                <a16:creationId xmlns:a16="http://schemas.microsoft.com/office/drawing/2014/main" id="{5212A9C5-DC27-376E-0401-5799C5E58F9F}"/>
               </a:ext>
             </a:extLst>
           </p:cNvPr>
@@ -4128,8 +4186,8 @@
         </p:blipFill>
         <p:spPr>
           <a:xfrm>
-            <a:off x="4373104" y="2598510"/>
-            <a:ext cx="3341599" cy="2518921"/>
+            <a:off x="3689684" y="2915771"/>
+            <a:ext cx="4026568" cy="2973979"/>
           </a:xfrm>
           <a:prstGeom prst="rect">
             <a:avLst/>
@@ -4138,10 +4196,10 @@
       </p:pic>
       <p:pic>
         <p:nvPicPr>
-          <p:cNvPr id="8" name="Picture 7">
-            <a:extLst>
-              <a:ext uri="{FF2B5EF4-FFF2-40B4-BE49-F238E27FC236}">
-                <a16:creationId xmlns:a16="http://schemas.microsoft.com/office/drawing/2014/main" id="{7E86AB17-8846-9A24-632F-74022CBC1DA2}"/>
+          <p:cNvPr id="14" name="Picture 13">
+            <a:extLst>
+              <a:ext uri="{FF2B5EF4-FFF2-40B4-BE49-F238E27FC236}">
+                <a16:creationId xmlns:a16="http://schemas.microsoft.com/office/drawing/2014/main" id="{15A63BD6-1721-02A0-6592-0F98022AA3C3}"/>
               </a:ext>
             </a:extLst>
           </p:cNvPr>
@@ -4158,8 +4216,8 @@
         </p:blipFill>
         <p:spPr>
           <a:xfrm>
-            <a:off x="8140537" y="2598510"/>
-            <a:ext cx="3341600" cy="2518922"/>
+            <a:off x="8245414" y="3055408"/>
+            <a:ext cx="2197538" cy="2767834"/>
           </a:xfrm>
           <a:prstGeom prst="rect">
             <a:avLst/>
@@ -4169,7 +4227,7 @@
     </p:spTree>
     <p:extLst>
       <p:ext uri="{BB962C8B-B14F-4D97-AF65-F5344CB8AC3E}">
-        <p14:creationId xmlns:p14="http://schemas.microsoft.com/office/powerpoint/2010/main" val="2034367060"/>
+        <p14:creationId xmlns:p14="http://schemas.microsoft.com/office/powerpoint/2010/main" val="251551452"/>
       </p:ext>
     </p:extLst>
   </p:cSld>
@@ -4201,6 +4259,426 @@
           <p:cNvPr id="2" name="Title 1">
             <a:extLst>
               <a:ext uri="{FF2B5EF4-FFF2-40B4-BE49-F238E27FC236}">
+                <a16:creationId xmlns:a16="http://schemas.microsoft.com/office/drawing/2014/main" id="{B2BA6FDD-BC95-BC95-1A93-883159640D72}"/>
+              </a:ext>
+            </a:extLst>
+          </p:cNvPr>
+          <p:cNvSpPr>
+            <a:spLocks noGrp="1"/>
+          </p:cNvSpPr>
+          <p:nvPr>
+            <p:ph type="title"/>
+          </p:nvPr>
+        </p:nvSpPr>
+        <p:spPr/>
+        <p:txBody>
+          <a:bodyPr/>
+          <a:lstStyle/>
+          <a:p>
+            <a:r>
+              <a:rPr lang="en-US" dirty="0"/>
+              <a:t>Model Training</a:t>
+            </a:r>
+          </a:p>
+        </p:txBody>
+      </p:sp>
+      <p:pic>
+        <p:nvPicPr>
+          <p:cNvPr id="13" name="Content Placeholder 12" descr="A screenshot of a computer&#10;&#10;AI-generated content may be incorrect.">
+            <a:extLst>
+              <a:ext uri="{FF2B5EF4-FFF2-40B4-BE49-F238E27FC236}">
+                <a16:creationId xmlns:a16="http://schemas.microsoft.com/office/drawing/2014/main" id="{F7EED7DD-540E-9D48-41F1-D514B3956C05}"/>
+              </a:ext>
+            </a:extLst>
+          </p:cNvPr>
+          <p:cNvPicPr>
+            <a:picLocks noGrp="1" noChangeAspect="1"/>
+          </p:cNvPicPr>
+          <p:nvPr>
+            <p:ph idx="1"/>
+          </p:nvPr>
+        </p:nvPicPr>
+        <p:blipFill>
+          <a:blip r:embed="rId2">
+            <a:extLst>
+              <a:ext uri="{28A0092B-C50C-407E-A947-70E740481C1C}">
+                <a14:useLocalDpi xmlns:a14="http://schemas.microsoft.com/office/drawing/2010/main" val="0"/>
+              </a:ext>
+            </a:extLst>
+          </a:blip>
+          <a:stretch>
+            <a:fillRect/>
+          </a:stretch>
+        </p:blipFill>
+        <p:spPr>
+          <a:xfrm>
+            <a:off x="4822371" y="3065386"/>
+            <a:ext cx="6879770" cy="3315344"/>
+          </a:xfrm>
+        </p:spPr>
+      </p:pic>
+      <p:sp>
+        <p:nvSpPr>
+          <p:cNvPr id="16" name="TextBox 15">
+            <a:extLst>
+              <a:ext uri="{FF2B5EF4-FFF2-40B4-BE49-F238E27FC236}">
+                <a16:creationId xmlns:a16="http://schemas.microsoft.com/office/drawing/2014/main" id="{3C5F76B1-F5CF-B655-DF8A-F2483451E91A}"/>
+              </a:ext>
+            </a:extLst>
+          </p:cNvPr>
+          <p:cNvSpPr txBox="1"/>
+          <p:nvPr/>
+        </p:nvSpPr>
+        <p:spPr>
+          <a:xfrm>
+            <a:off x="391886" y="2246249"/>
+            <a:ext cx="4071257" cy="3693319"/>
+          </a:xfrm>
+          <a:prstGeom prst="rect">
+            <a:avLst/>
+          </a:prstGeom>
+          <a:noFill/>
+        </p:spPr>
+        <p:txBody>
+          <a:bodyPr wrap="square">
+            <a:spAutoFit/>
+          </a:bodyPr>
+          <a:lstStyle/>
+          <a:p>
+            <a:pPr marL="285750" indent="-285750">
+              <a:buFont typeface="Arial" panose="020B0604020202020204" pitchFamily="34" charset="0"/>
+              <a:buChar char="•"/>
+            </a:pPr>
+            <a:r>
+              <a:rPr lang="en-US" dirty="0"/>
+              <a:t>YOLO (You Only Look Once) </a:t>
+            </a:r>
+          </a:p>
+          <a:p>
+            <a:pPr marL="285750" indent="-285750">
+              <a:buFont typeface="Arial" panose="020B0604020202020204" pitchFamily="34" charset="0"/>
+              <a:buChar char="•"/>
+            </a:pPr>
+            <a:endParaRPr lang="en-US" dirty="0"/>
+          </a:p>
+          <a:p>
+            <a:pPr marL="285750" indent="-285750">
+              <a:buFont typeface="Arial" panose="020B0604020202020204" pitchFamily="34" charset="0"/>
+              <a:buChar char="•"/>
+            </a:pPr>
+            <a:endParaRPr lang="en-US" dirty="0"/>
+          </a:p>
+          <a:p>
+            <a:pPr marL="285750" indent="-285750">
+              <a:buFont typeface="Arial" panose="020B0604020202020204" pitchFamily="34" charset="0"/>
+              <a:buChar char="•"/>
+            </a:pPr>
+            <a:endParaRPr lang="en-US" dirty="0"/>
+          </a:p>
+          <a:p>
+            <a:pPr marL="285750" indent="-285750">
+              <a:buFont typeface="Arial" panose="020B0604020202020204" pitchFamily="34" charset="0"/>
+              <a:buChar char="•"/>
+            </a:pPr>
+            <a:endParaRPr lang="en-US" dirty="0"/>
+          </a:p>
+          <a:p>
+            <a:pPr marL="285750" indent="-285750">
+              <a:buFont typeface="Arial" panose="020B0604020202020204" pitchFamily="34" charset="0"/>
+              <a:buChar char="•"/>
+            </a:pPr>
+            <a:endParaRPr lang="en-US" dirty="0"/>
+          </a:p>
+          <a:p>
+            <a:pPr marL="285750" indent="-285750">
+              <a:buFont typeface="Arial" panose="020B0604020202020204" pitchFamily="34" charset="0"/>
+              <a:buChar char="•"/>
+            </a:pPr>
+            <a:endParaRPr lang="en-US" dirty="0"/>
+          </a:p>
+          <a:p>
+            <a:pPr marL="285750" indent="-285750">
+              <a:buFont typeface="Arial" panose="020B0604020202020204" pitchFamily="34" charset="0"/>
+              <a:buChar char="•"/>
+            </a:pPr>
+            <a:endParaRPr lang="en-US" dirty="0"/>
+          </a:p>
+          <a:p>
+            <a:pPr marL="285750" indent="-285750">
+              <a:buFont typeface="Arial" panose="020B0604020202020204" pitchFamily="34" charset="0"/>
+              <a:buChar char="•"/>
+            </a:pPr>
+            <a:r>
+              <a:rPr lang="en-US" dirty="0"/>
+              <a:t>Pre-trained model = yolov8n-cls.pt</a:t>
+            </a:r>
+          </a:p>
+          <a:p>
+            <a:pPr marL="285750" indent="-285750">
+              <a:buFont typeface="Arial" panose="020B0604020202020204" pitchFamily="34" charset="0"/>
+              <a:buChar char="•"/>
+            </a:pPr>
+            <a:r>
+              <a:rPr lang="en-US" dirty="0"/>
+              <a:t>Epochs = 30 epochs</a:t>
+            </a:r>
+          </a:p>
+          <a:p>
+            <a:pPr marL="285750" indent="-285750">
+              <a:buFont typeface="Arial" panose="020B0604020202020204" pitchFamily="34" charset="0"/>
+              <a:buChar char="•"/>
+            </a:pPr>
+            <a:r>
+              <a:rPr lang="en-US" dirty="0"/>
+              <a:t>Image resizing = 640 pixels</a:t>
+            </a:r>
+          </a:p>
+          <a:p>
+            <a:pPr marL="285750" indent="-285750">
+              <a:buFont typeface="Arial" panose="020B0604020202020204" pitchFamily="34" charset="0"/>
+              <a:buChar char="•"/>
+            </a:pPr>
+            <a:r>
+              <a:rPr lang="en-US" dirty="0"/>
+              <a:t>Batch size = 16 samples</a:t>
+            </a:r>
+          </a:p>
+          <a:p>
+            <a:pPr marL="285750" indent="-285750">
+              <a:buFont typeface="Arial" panose="020B0604020202020204" pitchFamily="34" charset="0"/>
+              <a:buChar char="•"/>
+            </a:pPr>
+            <a:r>
+              <a:rPr lang="en-US" dirty="0"/>
+              <a:t>Patience = 5 epochs</a:t>
+            </a:r>
+          </a:p>
+        </p:txBody>
+      </p:sp>
+      <p:pic>
+        <p:nvPicPr>
+          <p:cNvPr id="18" name="Picture 17">
+            <a:extLst>
+              <a:ext uri="{FF2B5EF4-FFF2-40B4-BE49-F238E27FC236}">
+                <a16:creationId xmlns:a16="http://schemas.microsoft.com/office/drawing/2014/main" id="{0EDDC348-EBC1-9A6C-FB41-652C82B48FDC}"/>
+              </a:ext>
+            </a:extLst>
+          </p:cNvPr>
+          <p:cNvPicPr>
+            <a:picLocks noChangeAspect="1"/>
+          </p:cNvPicPr>
+          <p:nvPr/>
+        </p:nvPicPr>
+        <p:blipFill>
+          <a:blip r:embed="rId3"/>
+          <a:stretch>
+            <a:fillRect/>
+          </a:stretch>
+        </p:blipFill>
+        <p:spPr>
+          <a:xfrm>
+            <a:off x="4822371" y="1850847"/>
+            <a:ext cx="6879770" cy="1056051"/>
+          </a:xfrm>
+          <a:prstGeom prst="rect">
+            <a:avLst/>
+          </a:prstGeom>
+        </p:spPr>
+      </p:pic>
+      <p:pic>
+        <p:nvPicPr>
+          <p:cNvPr id="24" name="Picture 23">
+            <a:extLst>
+              <a:ext uri="{FF2B5EF4-FFF2-40B4-BE49-F238E27FC236}">
+                <a16:creationId xmlns:a16="http://schemas.microsoft.com/office/drawing/2014/main" id="{7411114D-8DC9-C070-85EA-D58591BA963F}"/>
+              </a:ext>
+            </a:extLst>
+          </p:cNvPr>
+          <p:cNvPicPr>
+            <a:picLocks noChangeAspect="1"/>
+          </p:cNvPicPr>
+          <p:nvPr/>
+        </p:nvPicPr>
+        <p:blipFill>
+          <a:blip r:embed="rId4"/>
+          <a:stretch>
+            <a:fillRect/>
+          </a:stretch>
+        </p:blipFill>
+        <p:spPr>
+          <a:xfrm>
+            <a:off x="213246" y="2778097"/>
+            <a:ext cx="3935687" cy="1301805"/>
+          </a:xfrm>
+          <a:prstGeom prst="rect">
+            <a:avLst/>
+          </a:prstGeom>
+        </p:spPr>
+      </p:pic>
+    </p:spTree>
+    <p:extLst>
+      <p:ext uri="{BB962C8B-B14F-4D97-AF65-F5344CB8AC3E}">
+        <p14:creationId xmlns:p14="http://schemas.microsoft.com/office/powerpoint/2010/main" val="3485103285"/>
+      </p:ext>
+    </p:extLst>
+  </p:cSld>
+  <p:clrMapOvr>
+    <a:masterClrMapping/>
+  </p:clrMapOvr>
+</p:sld>
+</file>
+
+<file path=ppt/slides/slide7.xml><?xml version="1.0" encoding="utf-8"?>
+<p:sld xmlns:a="http://schemas.openxmlformats.org/drawingml/2006/main" xmlns:r="http://schemas.openxmlformats.org/officeDocument/2006/relationships" xmlns:p="http://schemas.openxmlformats.org/presentationml/2006/main">
+  <p:cSld>
+    <p:spTree>
+      <p:nvGrpSpPr>
+        <p:cNvPr id="1" name=""/>
+        <p:cNvGrpSpPr/>
+        <p:nvPr/>
+      </p:nvGrpSpPr>
+      <p:grpSpPr>
+        <a:xfrm>
+          <a:off x="0" y="0"/>
+          <a:ext cx="0" cy="0"/>
+          <a:chOff x="0" y="0"/>
+          <a:chExt cx="0" cy="0"/>
+        </a:xfrm>
+      </p:grpSpPr>
+      <p:sp>
+        <p:nvSpPr>
+          <p:cNvPr id="2" name="Title 1">
+            <a:extLst>
+              <a:ext uri="{FF2B5EF4-FFF2-40B4-BE49-F238E27FC236}">
+                <a16:creationId xmlns:a16="http://schemas.microsoft.com/office/drawing/2014/main" id="{7ECB4A91-1946-2B6C-5A3B-ECC210B0B20C}"/>
+              </a:ext>
+            </a:extLst>
+          </p:cNvPr>
+          <p:cNvSpPr>
+            <a:spLocks noGrp="1"/>
+          </p:cNvSpPr>
+          <p:nvPr>
+            <p:ph type="title"/>
+          </p:nvPr>
+        </p:nvSpPr>
+        <p:spPr/>
+        <p:txBody>
+          <a:bodyPr/>
+          <a:lstStyle/>
+          <a:p>
+            <a:r>
+              <a:rPr lang="en-US" dirty="0"/>
+              <a:t>Model Performance</a:t>
+            </a:r>
+          </a:p>
+        </p:txBody>
+      </p:sp>
+      <p:pic>
+        <p:nvPicPr>
+          <p:cNvPr id="5" name="Content Placeholder 4" descr="A screenshot of a graph&#10;&#10;AI-generated content may be incorrect.">
+            <a:extLst>
+              <a:ext uri="{FF2B5EF4-FFF2-40B4-BE49-F238E27FC236}">
+                <a16:creationId xmlns:a16="http://schemas.microsoft.com/office/drawing/2014/main" id="{DBA66448-126F-B86C-26C7-5EF12E4343BA}"/>
+              </a:ext>
+            </a:extLst>
+          </p:cNvPr>
+          <p:cNvPicPr>
+            <a:picLocks noGrp="1" noChangeAspect="1"/>
+          </p:cNvPicPr>
+          <p:nvPr>
+            <p:ph idx="1"/>
+          </p:nvPr>
+        </p:nvPicPr>
+        <p:blipFill>
+          <a:blip r:embed="rId2">
+            <a:extLst>
+              <a:ext uri="{28A0092B-C50C-407E-A947-70E740481C1C}">
+                <a14:useLocalDpi xmlns:a14="http://schemas.microsoft.com/office/drawing/2010/main" val="0"/>
+              </a:ext>
+            </a:extLst>
+          </a:blip>
+          <a:stretch>
+            <a:fillRect/>
+          </a:stretch>
+        </p:blipFill>
+        <p:spPr>
+          <a:xfrm>
+            <a:off x="6071811" y="1542640"/>
+            <a:ext cx="5576723" cy="4784281"/>
+          </a:xfrm>
+        </p:spPr>
+      </p:pic>
+      <p:pic>
+        <p:nvPicPr>
+          <p:cNvPr id="7" name="Picture 6" descr="A graph of a graph&#10;&#10;AI-generated content may be incorrect.">
+            <a:extLst>
+              <a:ext uri="{FF2B5EF4-FFF2-40B4-BE49-F238E27FC236}">
+                <a16:creationId xmlns:a16="http://schemas.microsoft.com/office/drawing/2014/main" id="{54C1E429-A2C0-0C83-2C30-0DEC4D9FBFD1}"/>
+              </a:ext>
+            </a:extLst>
+          </p:cNvPr>
+          <p:cNvPicPr>
+            <a:picLocks noChangeAspect="1"/>
+          </p:cNvPicPr>
+          <p:nvPr/>
+        </p:nvPicPr>
+        <p:blipFill>
+          <a:blip r:embed="rId3">
+            <a:extLst>
+              <a:ext uri="{28A0092B-C50C-407E-A947-70E740481C1C}">
+                <a14:useLocalDpi xmlns:a14="http://schemas.microsoft.com/office/drawing/2010/main" val="0"/>
+              </a:ext>
+            </a:extLst>
+          </a:blip>
+          <a:stretch>
+            <a:fillRect/>
+          </a:stretch>
+        </p:blipFill>
+        <p:spPr>
+          <a:xfrm>
+            <a:off x="838200" y="1540203"/>
+            <a:ext cx="4810732" cy="4786718"/>
+          </a:xfrm>
+          <a:prstGeom prst="rect">
+            <a:avLst/>
+          </a:prstGeom>
+        </p:spPr>
+      </p:pic>
+    </p:spTree>
+    <p:extLst>
+      <p:ext uri="{BB962C8B-B14F-4D97-AF65-F5344CB8AC3E}">
+        <p14:creationId xmlns:p14="http://schemas.microsoft.com/office/powerpoint/2010/main" val="2065776870"/>
+      </p:ext>
+    </p:extLst>
+  </p:cSld>
+  <p:clrMapOvr>
+    <a:masterClrMapping/>
+  </p:clrMapOvr>
+</p:sld>
+</file>
+
+<file path=ppt/slides/slide8.xml><?xml version="1.0" encoding="utf-8"?>
+<p:sld xmlns:a="http://schemas.openxmlformats.org/drawingml/2006/main" xmlns:r="http://schemas.openxmlformats.org/officeDocument/2006/relationships" xmlns:p="http://schemas.openxmlformats.org/presentationml/2006/main">
+  <p:cSld>
+    <p:spTree>
+      <p:nvGrpSpPr>
+        <p:cNvPr id="1" name=""/>
+        <p:cNvGrpSpPr/>
+        <p:nvPr/>
+      </p:nvGrpSpPr>
+      <p:grpSpPr>
+        <a:xfrm>
+          <a:off x="0" y="0"/>
+          <a:ext cx="0" cy="0"/>
+          <a:chOff x="0" y="0"/>
+          <a:chExt cx="0" cy="0"/>
+        </a:xfrm>
+      </p:grpSpPr>
+      <p:sp>
+        <p:nvSpPr>
+          <p:cNvPr id="2" name="Title 1">
+            <a:extLst>
+              <a:ext uri="{FF2B5EF4-FFF2-40B4-BE49-F238E27FC236}">
                 <a16:creationId xmlns:a16="http://schemas.microsoft.com/office/drawing/2014/main" id="{81A00B08-E419-6A9C-A478-F9F9CF6EC6B4}"/>
               </a:ext>
             </a:extLst>
@@ -4217,7 +4695,10 @@
           <a:bodyPr/>
           <a:lstStyle/>
           <a:p>
-            <a:endParaRPr lang="en-US"/>
+            <a:r>
+              <a:rPr lang="en-US" dirty="0"/>
+              <a:t>Resources</a:t>
+            </a:r>
           </a:p>
         </p:txBody>
       </p:sp>
@@ -4242,7 +4723,88 @@
           <a:bodyPr/>
           <a:lstStyle/>
           <a:p>
-            <a:endParaRPr lang="en-US"/>
+            <a:r>
+              <a:rPr lang="en-US" dirty="0"/>
+              <a:t>Requests Library Documentation: </a:t>
+            </a:r>
+          </a:p>
+          <a:p>
+            <a:pPr marL="0" indent="0">
+              <a:buNone/>
+            </a:pPr>
+            <a:r>
+              <a:rPr lang="en-US" dirty="0"/>
+              <a:t>   </a:t>
+            </a:r>
+            <a:r>
+              <a:rPr lang="en-US" dirty="0">
+                <a:hlinkClick r:id="rId2"/>
+              </a:rPr>
+              <a:t>https://realpython.com/python-requests/</a:t>
+            </a:r>
+            <a:endParaRPr lang="en-US" dirty="0"/>
+          </a:p>
+          <a:p>
+            <a:r>
+              <a:rPr lang="en-US" dirty="0" err="1"/>
+              <a:t>Pexels</a:t>
+            </a:r>
+            <a:r>
+              <a:rPr lang="en-US" dirty="0"/>
+              <a:t> API Documentation: </a:t>
+            </a:r>
+            <a:r>
+              <a:rPr lang="en-US" dirty="0">
+                <a:hlinkClick r:id="rId3"/>
+              </a:rPr>
+              <a:t>https://www.pexels.com/api/documentation/</a:t>
+            </a:r>
+            <a:endParaRPr lang="en-US" dirty="0"/>
+          </a:p>
+          <a:p>
+            <a:r>
+              <a:rPr lang="en-US" dirty="0" err="1"/>
+              <a:t>Ultralytics</a:t>
+            </a:r>
+            <a:r>
+              <a:rPr lang="en-US" dirty="0"/>
+              <a:t> Library Documentation: </a:t>
+            </a:r>
+            <a:r>
+              <a:rPr lang="en-US" dirty="0">
+                <a:hlinkClick r:id="rId4"/>
+              </a:rPr>
+              <a:t>https://docs.ultralytics.com/tasks/classify/#how-do-i-train-a-    yolo11-model-for-image-classification</a:t>
+            </a:r>
+            <a:endParaRPr lang="en-US" dirty="0"/>
+          </a:p>
+          <a:p>
+            <a:r>
+              <a:rPr lang="en-US" dirty="0"/>
+              <a:t>Project Repo: </a:t>
+            </a:r>
+            <a:r>
+              <a:rPr lang="en-US" dirty="0">
+                <a:hlinkClick r:id="rId5"/>
+              </a:rPr>
+              <a:t>https://github.com/henryroeth/cpsc386-cv-project</a:t>
+            </a:r>
+            <a:endParaRPr lang="en-US" dirty="0"/>
+          </a:p>
+          <a:p>
+            <a:pPr marL="0" indent="0">
+              <a:buNone/>
+            </a:pPr>
+            <a:endParaRPr lang="en-US" dirty="0"/>
+          </a:p>
+          <a:p>
+            <a:endParaRPr lang="en-US" dirty="0"/>
+          </a:p>
+          <a:p>
+            <a:endParaRPr lang="en-US" dirty="0"/>
+          </a:p>
+          <a:p>
+            <a:endParaRPr lang="en-US" dirty="0"/>
           </a:p>
         </p:txBody>
       </p:sp>
@@ -4250,6 +4812,70 @@
     <p:extLst>
       <p:ext uri="{BB962C8B-B14F-4D97-AF65-F5344CB8AC3E}">
         <p14:creationId xmlns:p14="http://schemas.microsoft.com/office/powerpoint/2010/main" val="1245481005"/>
+      </p:ext>
+    </p:extLst>
+  </p:cSld>
+  <p:clrMapOvr>
+    <a:masterClrMapping/>
+  </p:clrMapOvr>
+</p:sld>
+</file>
+
+<file path=ppt/slides/slide9.xml><?xml version="1.0" encoding="utf-8"?>
+<p:sld xmlns:a="http://schemas.openxmlformats.org/drawingml/2006/main" xmlns:r="http://schemas.openxmlformats.org/officeDocument/2006/relationships" xmlns:p="http://schemas.openxmlformats.org/presentationml/2006/main">
+  <p:cSld>
+    <p:spTree>
+      <p:nvGrpSpPr>
+        <p:cNvPr id="1" name=""/>
+        <p:cNvGrpSpPr/>
+        <p:nvPr/>
+      </p:nvGrpSpPr>
+      <p:grpSpPr>
+        <a:xfrm>
+          <a:off x="0" y="0"/>
+          <a:ext cx="0" cy="0"/>
+          <a:chOff x="0" y="0"/>
+          <a:chExt cx="0" cy="0"/>
+        </a:xfrm>
+      </p:grpSpPr>
+      <p:sp>
+        <p:nvSpPr>
+          <p:cNvPr id="2" name="Title 1">
+            <a:extLst>
+              <a:ext uri="{FF2B5EF4-FFF2-40B4-BE49-F238E27FC236}">
+                <a16:creationId xmlns:a16="http://schemas.microsoft.com/office/drawing/2014/main" id="{7FC16754-6CAD-DBAE-ED87-818680350C73}"/>
+              </a:ext>
+            </a:extLst>
+          </p:cNvPr>
+          <p:cNvSpPr>
+            <a:spLocks noGrp="1"/>
+          </p:cNvSpPr>
+          <p:nvPr>
+            <p:ph type="title"/>
+          </p:nvPr>
+        </p:nvSpPr>
+        <p:spPr>
+          <a:xfrm>
+            <a:off x="838200" y="2766218"/>
+            <a:ext cx="10515600" cy="1325563"/>
+          </a:xfrm>
+        </p:spPr>
+        <p:txBody>
+          <a:bodyPr/>
+          <a:lstStyle/>
+          <a:p>
+            <a:pPr algn="ctr"/>
+            <a:r>
+              <a:rPr lang="en-US" dirty="0"/>
+              <a:t>Model Testing Demo</a:t>
+            </a:r>
+          </a:p>
+        </p:txBody>
+      </p:sp>
+    </p:spTree>
+    <p:extLst>
+      <p:ext uri="{BB962C8B-B14F-4D97-AF65-F5344CB8AC3E}">
+        <p14:creationId xmlns:p14="http://schemas.microsoft.com/office/powerpoint/2010/main" val="2386835572"/>
       </p:ext>
     </p:extLst>
   </p:cSld>
